--- a/plots/Fig5 tests.pptx
+++ b/plots/Fig5 tests.pptx
@@ -197,7 +197,7 @@
           <a:p>
             <a:fld id="{4F97FC17-05F1-5941-99BF-2CFB8DD61DE7}" type="datetimeFigureOut">
               <a:rPr lang="en-US" smtClean="0"/>
-              <a:t>1/29/24</a:t>
+              <a:t>2/20/24</a:t>
             </a:fld>
             <a:endParaRPr lang="en-US"/>
           </a:p>
@@ -685,7 +685,7 @@
           <a:p>
             <a:fld id="{CE5BC49A-E8DF-6544-B7B9-136C9E9A9884}" type="datetimeFigureOut">
               <a:rPr lang="en-US" smtClean="0"/>
-              <a:t>1/29/24</a:t>
+              <a:t>2/20/24</a:t>
             </a:fld>
             <a:endParaRPr lang="en-US"/>
           </a:p>
@@ -855,7 +855,7 @@
           <a:p>
             <a:fld id="{CE5BC49A-E8DF-6544-B7B9-136C9E9A9884}" type="datetimeFigureOut">
               <a:rPr lang="en-US" smtClean="0"/>
-              <a:t>1/29/24</a:t>
+              <a:t>2/20/24</a:t>
             </a:fld>
             <a:endParaRPr lang="en-US"/>
           </a:p>
@@ -1035,7 +1035,7 @@
           <a:p>
             <a:fld id="{CE5BC49A-E8DF-6544-B7B9-136C9E9A9884}" type="datetimeFigureOut">
               <a:rPr lang="en-US" smtClean="0"/>
-              <a:t>1/29/24</a:t>
+              <a:t>2/20/24</a:t>
             </a:fld>
             <a:endParaRPr lang="en-US"/>
           </a:p>
@@ -1205,7 +1205,7 @@
           <a:p>
             <a:fld id="{CE5BC49A-E8DF-6544-B7B9-136C9E9A9884}" type="datetimeFigureOut">
               <a:rPr lang="en-US" smtClean="0"/>
-              <a:t>1/29/24</a:t>
+              <a:t>2/20/24</a:t>
             </a:fld>
             <a:endParaRPr lang="en-US"/>
           </a:p>
@@ -1451,7 +1451,7 @@
           <a:p>
             <a:fld id="{CE5BC49A-E8DF-6544-B7B9-136C9E9A9884}" type="datetimeFigureOut">
               <a:rPr lang="en-US" smtClean="0"/>
-              <a:t>1/29/24</a:t>
+              <a:t>2/20/24</a:t>
             </a:fld>
             <a:endParaRPr lang="en-US"/>
           </a:p>
@@ -1683,7 +1683,7 @@
           <a:p>
             <a:fld id="{CE5BC49A-E8DF-6544-B7B9-136C9E9A9884}" type="datetimeFigureOut">
               <a:rPr lang="en-US" smtClean="0"/>
-              <a:t>1/29/24</a:t>
+              <a:t>2/20/24</a:t>
             </a:fld>
             <a:endParaRPr lang="en-US"/>
           </a:p>
@@ -2050,7 +2050,7 @@
           <a:p>
             <a:fld id="{CE5BC49A-E8DF-6544-B7B9-136C9E9A9884}" type="datetimeFigureOut">
               <a:rPr lang="en-US" smtClean="0"/>
-              <a:t>1/29/24</a:t>
+              <a:t>2/20/24</a:t>
             </a:fld>
             <a:endParaRPr lang="en-US"/>
           </a:p>
@@ -2168,7 +2168,7 @@
           <a:p>
             <a:fld id="{CE5BC49A-E8DF-6544-B7B9-136C9E9A9884}" type="datetimeFigureOut">
               <a:rPr lang="en-US" smtClean="0"/>
-              <a:t>1/29/24</a:t>
+              <a:t>2/20/24</a:t>
             </a:fld>
             <a:endParaRPr lang="en-US"/>
           </a:p>
@@ -2263,7 +2263,7 @@
           <a:p>
             <a:fld id="{CE5BC49A-E8DF-6544-B7B9-136C9E9A9884}" type="datetimeFigureOut">
               <a:rPr lang="en-US" smtClean="0"/>
-              <a:t>1/29/24</a:t>
+              <a:t>2/20/24</a:t>
             </a:fld>
             <a:endParaRPr lang="en-US"/>
           </a:p>
@@ -2540,7 +2540,7 @@
           <a:p>
             <a:fld id="{CE5BC49A-E8DF-6544-B7B9-136C9E9A9884}" type="datetimeFigureOut">
               <a:rPr lang="en-US" smtClean="0"/>
-              <a:t>1/29/24</a:t>
+              <a:t>2/20/24</a:t>
             </a:fld>
             <a:endParaRPr lang="en-US"/>
           </a:p>
@@ -2797,7 +2797,7 @@
           <a:p>
             <a:fld id="{CE5BC49A-E8DF-6544-B7B9-136C9E9A9884}" type="datetimeFigureOut">
               <a:rPr lang="en-US" smtClean="0"/>
-              <a:t>1/29/24</a:t>
+              <a:t>2/20/24</a:t>
             </a:fld>
             <a:endParaRPr lang="en-US"/>
           </a:p>
@@ -3010,7 +3010,7 @@
           <a:p>
             <a:fld id="{CE5BC49A-E8DF-6544-B7B9-136C9E9A9884}" type="datetimeFigureOut">
               <a:rPr lang="en-US" smtClean="0"/>
-              <a:t>1/29/24</a:t>
+              <a:t>2/20/24</a:t>
             </a:fld>
             <a:endParaRPr lang="en-US"/>
           </a:p>
@@ -7302,8 +7302,8 @@
           </p:txBody>
         </p:sp>
       </p:grpSp>
-      <mc:AlternateContent xmlns:mc="http://schemas.openxmlformats.org/markup-compatibility/2006" xmlns:a14="http://schemas.microsoft.com/office/drawing/2010/main">
-        <mc:Choice Requires="a14">
+      <mc:AlternateContent xmlns:mc="http://schemas.openxmlformats.org/markup-compatibility/2006">
+        <mc:Choice xmlns:a14="http://schemas.microsoft.com/office/drawing/2010/main" Requires="a14">
           <p:sp>
             <p:nvSpPr>
               <p:cNvPr id="41" name="TextBox 40">
@@ -7320,8 +7320,8 @@
             </p:nvSpPr>
             <p:spPr>
               <a:xfrm>
-                <a:off x="13034101" y="4269113"/>
-                <a:ext cx="1806713" cy="358368"/>
+                <a:off x="13012686" y="4269113"/>
+                <a:ext cx="1849544" cy="424796"/>
               </a:xfrm>
               <a:prstGeom prst="rect">
                 <a:avLst/>
@@ -7346,26 +7346,26 @@
                     <m:f>
                       <m:fPr>
                         <m:ctrlPr>
-                          <a:rPr lang="en-US" sz="1200" i="1">
+                          <a:rPr lang="en-US" sz="1500" i="1">
                             <a:latin typeface="Cambria Math" panose="02040503050406030204" pitchFamily="18" charset="0"/>
                           </a:rPr>
                         </m:ctrlPr>
                       </m:fPr>
                       <m:num>
                         <m:r>
-                          <a:rPr lang="de-CH" sz="1200" i="1">
+                          <a:rPr lang="de-CH" sz="1500" i="1">
                             <a:latin typeface="Cambria Math" panose="02040503050406030204" pitchFamily="18" charset="0"/>
                           </a:rPr>
                           <m:t>𝑐</m:t>
                         </m:r>
                         <m:r>
-                          <a:rPr lang="de-CH" sz="1200" i="1">
+                          <a:rPr lang="de-CH" sz="1500" i="1">
                             <a:latin typeface="Cambria Math" panose="02040503050406030204" pitchFamily="18" charset="0"/>
                           </a:rPr>
                           <m:t>+</m:t>
                         </m:r>
                         <m:r>
-                          <a:rPr lang="de-CH" sz="1200" i="1">
+                          <a:rPr lang="de-CH" sz="1500" i="1">
                             <a:latin typeface="Cambria Math" panose="02040503050406030204" pitchFamily="18" charset="0"/>
                           </a:rPr>
                           <m:t>𝑑</m:t>
@@ -7373,31 +7373,31 @@
                       </m:num>
                       <m:den>
                         <m:r>
-                          <a:rPr lang="de-CH" sz="1200" i="1">
+                          <a:rPr lang="de-CH" sz="1500" i="1">
                             <a:latin typeface="Cambria Math" panose="02040503050406030204" pitchFamily="18" charset="0"/>
                           </a:rPr>
                           <m:t>𝑖</m:t>
                         </m:r>
                         <m:r>
-                          <a:rPr lang="de-CH" sz="1200" i="1">
+                          <a:rPr lang="de-CH" sz="1500" i="1">
                             <a:latin typeface="Cambria Math" panose="02040503050406030204" pitchFamily="18" charset="0"/>
                           </a:rPr>
                           <m:t>+</m:t>
                         </m:r>
                         <m:r>
-                          <a:rPr lang="de-CH" sz="1200" i="1">
+                          <a:rPr lang="de-CH" sz="1500" i="1">
                             <a:latin typeface="Cambria Math" panose="02040503050406030204" pitchFamily="18" charset="0"/>
                           </a:rPr>
                           <m:t>𝑐</m:t>
                         </m:r>
                         <m:r>
-                          <a:rPr lang="de-CH" sz="1200" i="1">
+                          <a:rPr lang="de-CH" sz="1500" i="1">
                             <a:latin typeface="Cambria Math" panose="02040503050406030204" pitchFamily="18" charset="0"/>
                           </a:rPr>
                           <m:t>+</m:t>
                         </m:r>
                         <m:r>
-                          <a:rPr lang="de-CH" sz="1200" i="1">
+                          <a:rPr lang="de-CH" sz="1500" i="1">
                             <a:latin typeface="Cambria Math" panose="02040503050406030204" pitchFamily="18" charset="0"/>
                           </a:rPr>
                           <m:t>𝑑</m:t>
@@ -7406,14 +7406,14 @@
                     </m:f>
                   </m:oMath>
                 </a14:m>
-                <a:endParaRPr lang="en-US" sz="1200" dirty="0">
+                <a:endParaRPr lang="en-US" sz="1500" dirty="0">
                   <a:latin typeface="Helvetica" pitchFamily="2" charset="0"/>
                 </a:endParaRPr>
               </a:p>
             </p:txBody>
           </p:sp>
         </mc:Choice>
-        <mc:Fallback xmlns="">
+        <mc:Fallback>
           <p:sp>
             <p:nvSpPr>
               <p:cNvPr id="41" name="TextBox 40">
@@ -7430,8 +7430,8 @@
             </p:nvSpPr>
             <p:spPr>
               <a:xfrm>
-                <a:off x="13034101" y="4269113"/>
-                <a:ext cx="1806713" cy="358368"/>
+                <a:off x="13012686" y="4269113"/>
+                <a:ext cx="1849544" cy="424796"/>
               </a:xfrm>
               <a:prstGeom prst="rect">
                 <a:avLst/>
@@ -7439,7 +7439,7 @@
               <a:blipFill>
                 <a:blip r:embed="rId3"/>
                 <a:stretch>
-                  <a:fillRect/>
+                  <a:fillRect b="-2941"/>
                 </a:stretch>
               </a:blipFill>
             </p:spPr>

--- a/plots/Fig5 tests.pptx
+++ b/plots/Fig5 tests.pptx
@@ -197,7 +197,7 @@
           <a:p>
             <a:fld id="{4F97FC17-05F1-5941-99BF-2CFB8DD61DE7}" type="datetimeFigureOut">
               <a:rPr lang="en-US" smtClean="0"/>
-              <a:t>2/20/24</a:t>
+              <a:t>4/11/24</a:t>
             </a:fld>
             <a:endParaRPr lang="en-US"/>
           </a:p>
@@ -685,7 +685,7 @@
           <a:p>
             <a:fld id="{CE5BC49A-E8DF-6544-B7B9-136C9E9A9884}" type="datetimeFigureOut">
               <a:rPr lang="en-US" smtClean="0"/>
-              <a:t>2/20/24</a:t>
+              <a:t>4/11/24</a:t>
             </a:fld>
             <a:endParaRPr lang="en-US"/>
           </a:p>
@@ -855,7 +855,7 @@
           <a:p>
             <a:fld id="{CE5BC49A-E8DF-6544-B7B9-136C9E9A9884}" type="datetimeFigureOut">
               <a:rPr lang="en-US" smtClean="0"/>
-              <a:t>2/20/24</a:t>
+              <a:t>4/11/24</a:t>
             </a:fld>
             <a:endParaRPr lang="en-US"/>
           </a:p>
@@ -1035,7 +1035,7 @@
           <a:p>
             <a:fld id="{CE5BC49A-E8DF-6544-B7B9-136C9E9A9884}" type="datetimeFigureOut">
               <a:rPr lang="en-US" smtClean="0"/>
-              <a:t>2/20/24</a:t>
+              <a:t>4/11/24</a:t>
             </a:fld>
             <a:endParaRPr lang="en-US"/>
           </a:p>
@@ -1205,7 +1205,7 @@
           <a:p>
             <a:fld id="{CE5BC49A-E8DF-6544-B7B9-136C9E9A9884}" type="datetimeFigureOut">
               <a:rPr lang="en-US" smtClean="0"/>
-              <a:t>2/20/24</a:t>
+              <a:t>4/11/24</a:t>
             </a:fld>
             <a:endParaRPr lang="en-US"/>
           </a:p>
@@ -1451,7 +1451,7 @@
           <a:p>
             <a:fld id="{CE5BC49A-E8DF-6544-B7B9-136C9E9A9884}" type="datetimeFigureOut">
               <a:rPr lang="en-US" smtClean="0"/>
-              <a:t>2/20/24</a:t>
+              <a:t>4/11/24</a:t>
             </a:fld>
             <a:endParaRPr lang="en-US"/>
           </a:p>
@@ -1683,7 +1683,7 @@
           <a:p>
             <a:fld id="{CE5BC49A-E8DF-6544-B7B9-136C9E9A9884}" type="datetimeFigureOut">
               <a:rPr lang="en-US" smtClean="0"/>
-              <a:t>2/20/24</a:t>
+              <a:t>4/11/24</a:t>
             </a:fld>
             <a:endParaRPr lang="en-US"/>
           </a:p>
@@ -2050,7 +2050,7 @@
           <a:p>
             <a:fld id="{CE5BC49A-E8DF-6544-B7B9-136C9E9A9884}" type="datetimeFigureOut">
               <a:rPr lang="en-US" smtClean="0"/>
-              <a:t>2/20/24</a:t>
+              <a:t>4/11/24</a:t>
             </a:fld>
             <a:endParaRPr lang="en-US"/>
           </a:p>
@@ -2168,7 +2168,7 @@
           <a:p>
             <a:fld id="{CE5BC49A-E8DF-6544-B7B9-136C9E9A9884}" type="datetimeFigureOut">
               <a:rPr lang="en-US" smtClean="0"/>
-              <a:t>2/20/24</a:t>
+              <a:t>4/11/24</a:t>
             </a:fld>
             <a:endParaRPr lang="en-US"/>
           </a:p>
@@ -2263,7 +2263,7 @@
           <a:p>
             <a:fld id="{CE5BC49A-E8DF-6544-B7B9-136C9E9A9884}" type="datetimeFigureOut">
               <a:rPr lang="en-US" smtClean="0"/>
-              <a:t>2/20/24</a:t>
+              <a:t>4/11/24</a:t>
             </a:fld>
             <a:endParaRPr lang="en-US"/>
           </a:p>
@@ -2540,7 +2540,7 @@
           <a:p>
             <a:fld id="{CE5BC49A-E8DF-6544-B7B9-136C9E9A9884}" type="datetimeFigureOut">
               <a:rPr lang="en-US" smtClean="0"/>
-              <a:t>2/20/24</a:t>
+              <a:t>4/11/24</a:t>
             </a:fld>
             <a:endParaRPr lang="en-US"/>
           </a:p>
@@ -2797,7 +2797,7 @@
           <a:p>
             <a:fld id="{CE5BC49A-E8DF-6544-B7B9-136C9E9A9884}" type="datetimeFigureOut">
               <a:rPr lang="en-US" smtClean="0"/>
-              <a:t>2/20/24</a:t>
+              <a:t>4/11/24</a:t>
             </a:fld>
             <a:endParaRPr lang="en-US"/>
           </a:p>
@@ -3010,7 +3010,7 @@
           <a:p>
             <a:fld id="{CE5BC49A-E8DF-6544-B7B9-136C9E9A9884}" type="datetimeFigureOut">
               <a:rPr lang="en-US" smtClean="0"/>
-              <a:t>2/20/24</a:t>
+              <a:t>4/11/24</a:t>
             </a:fld>
             <a:endParaRPr lang="en-US"/>
           </a:p>
@@ -6308,7 +6308,7 @@
             <p:nvPr>
               <p:extLst>
                 <p:ext uri="{D42A27DB-BD31-4B8C-83A1-F6EECF244321}">
-                  <p14:modId xmlns:p14="http://schemas.microsoft.com/office/powerpoint/2010/main" val="4236705578"/>
+                  <p14:modId xmlns:p14="http://schemas.microsoft.com/office/powerpoint/2010/main" val="4170775368"/>
                 </p:ext>
               </p:extLst>
             </p:nvPr>
@@ -7129,7 +7129,9 @@
                         <a:tailEnd type="none" w="med" len="med"/>
                       </a:lnB>
                       <a:solidFill>
-                        <a:schemeClr val="bg2"/>
+                        <a:srgbClr val="FFCA1D">
+                          <a:alpha val="52157"/>
+                        </a:srgbClr>
                       </a:solidFill>
                     </a:tcPr>
                   </a:tc>
@@ -7302,8 +7304,8 @@
           </p:txBody>
         </p:sp>
       </p:grpSp>
-      <mc:AlternateContent xmlns:mc="http://schemas.openxmlformats.org/markup-compatibility/2006">
-        <mc:Choice xmlns:a14="http://schemas.microsoft.com/office/drawing/2010/main" Requires="a14">
+      <mc:AlternateContent xmlns:mc="http://schemas.openxmlformats.org/markup-compatibility/2006" xmlns:a14="http://schemas.microsoft.com/office/drawing/2010/main">
+        <mc:Choice Requires="a14">
           <p:sp>
             <p:nvSpPr>
               <p:cNvPr id="41" name="TextBox 40">
@@ -7413,7 +7415,7 @@
             </p:txBody>
           </p:sp>
         </mc:Choice>
-        <mc:Fallback>
+        <mc:Fallback xmlns="">
           <p:sp>
             <p:nvSpPr>
               <p:cNvPr id="41" name="TextBox 40">

--- a/plots/Fig5 tests.pptx
+++ b/plots/Fig5 tests.pptx
@@ -3660,48 +3660,6 @@
         </p:sp>
         <p:sp>
           <p:nvSpPr>
-            <p:cNvPr id="11" name="TextBox 10">
-              <a:extLst>
-                <a:ext uri="{FF2B5EF4-FFF2-40B4-BE49-F238E27FC236}">
-                  <a16:creationId xmlns:a16="http://schemas.microsoft.com/office/drawing/2014/main" id="{E6A0C051-67BC-C1C9-5194-A72AC07FD00A}"/>
-                </a:ext>
-              </a:extLst>
-            </p:cNvPr>
-            <p:cNvSpPr txBox="1">
-              <a:spLocks/>
-            </p:cNvSpPr>
-            <p:nvPr/>
-          </p:nvSpPr>
-          <p:spPr>
-            <a:xfrm rot="5400000">
-              <a:off x="4550808" y="4842320"/>
-              <a:ext cx="423514" cy="338554"/>
-            </a:xfrm>
-            <a:prstGeom prst="rect">
-              <a:avLst/>
-            </a:prstGeom>
-            <a:noFill/>
-          </p:spPr>
-          <p:txBody>
-            <a:bodyPr wrap="none" rtlCol="0">
-              <a:spAutoFit/>
-            </a:bodyPr>
-            <a:lstStyle/>
-            <a:p>
-              <a:r>
-                <a:rPr lang="en-AU" sz="1600" b="1" dirty="0">
-                  <a:latin typeface="Helvetica" pitchFamily="2" charset="0"/>
-                </a:rPr>
-                <a:t>F1</a:t>
-              </a:r>
-              <a:endParaRPr lang="en-US" sz="1600" b="1" dirty="0">
-                <a:latin typeface="Helvetica" pitchFamily="2" charset="0"/>
-              </a:endParaRPr>
-            </a:p>
-          </p:txBody>
-        </p:sp>
-        <p:sp>
-          <p:nvSpPr>
             <p:cNvPr id="12" name="TextBox 11">
               <a:extLst>
                 <a:ext uri="{FF2B5EF4-FFF2-40B4-BE49-F238E27FC236}">
@@ -3755,13 +3713,13 @@
             <p:nvPr>
               <p:extLst>
                 <p:ext uri="{D42A27DB-BD31-4B8C-83A1-F6EECF244321}">
-                  <p14:modId xmlns:p14="http://schemas.microsoft.com/office/powerpoint/2010/main" val="2383133378"/>
+                  <p14:modId xmlns:p14="http://schemas.microsoft.com/office/powerpoint/2010/main" val="1748139438"/>
                 </p:ext>
               </p:extLst>
             </p:nvPr>
           </p:nvGraphicFramePr>
           <p:xfrm>
-            <a:off x="2610888" y="4126262"/>
+            <a:off x="2708808" y="4186724"/>
             <a:ext cx="1948336" cy="1527841"/>
           </p:xfrm>
           <a:graphic>
@@ -4645,48 +4603,6 @@
             </a:p>
           </p:txBody>
         </p:sp>
-        <p:sp>
-          <p:nvSpPr>
-            <p:cNvPr id="17" name="TextBox 16">
-              <a:extLst>
-                <a:ext uri="{FF2B5EF4-FFF2-40B4-BE49-F238E27FC236}">
-                  <a16:creationId xmlns:a16="http://schemas.microsoft.com/office/drawing/2014/main" id="{BE8392F6-7C70-9AAF-EF90-A474151D3FE0}"/>
-                </a:ext>
-              </a:extLst>
-            </p:cNvPr>
-            <p:cNvSpPr txBox="1">
-              <a:spLocks/>
-            </p:cNvSpPr>
-            <p:nvPr/>
-          </p:nvSpPr>
-          <p:spPr>
-            <a:xfrm rot="5400000">
-              <a:off x="3186987" y="4580046"/>
-              <a:ext cx="423514" cy="338554"/>
-            </a:xfrm>
-            <a:prstGeom prst="rect">
-              <a:avLst/>
-            </a:prstGeom>
-            <a:noFill/>
-          </p:spPr>
-          <p:txBody>
-            <a:bodyPr wrap="none" rtlCol="0">
-              <a:spAutoFit/>
-            </a:bodyPr>
-            <a:lstStyle/>
-            <a:p>
-              <a:r>
-                <a:rPr lang="en-AU" sz="1600" b="1" dirty="0">
-                  <a:latin typeface="Helvetica" pitchFamily="2" charset="0"/>
-                </a:rPr>
-                <a:t>F1</a:t>
-              </a:r>
-              <a:endParaRPr lang="en-US" sz="1600" b="1" dirty="0">
-                <a:latin typeface="Helvetica" pitchFamily="2" charset="0"/>
-              </a:endParaRPr>
-            </a:p>
-          </p:txBody>
-        </p:sp>
         <p:graphicFrame>
           <p:nvGraphicFramePr>
             <p:cNvPr id="18" name="Table 17">
@@ -4702,13 +4618,13 @@
             <p:nvPr>
               <p:extLst>
                 <p:ext uri="{D42A27DB-BD31-4B8C-83A1-F6EECF244321}">
-                  <p14:modId xmlns:p14="http://schemas.microsoft.com/office/powerpoint/2010/main" val="3797790955"/>
+                  <p14:modId xmlns:p14="http://schemas.microsoft.com/office/powerpoint/2010/main" val="3573865659"/>
                 </p:ext>
               </p:extLst>
             </p:nvPr>
           </p:nvGraphicFramePr>
           <p:xfrm>
-            <a:off x="1247067" y="3863988"/>
+            <a:off x="1377238" y="3924445"/>
             <a:ext cx="1948336" cy="1527841"/>
           </p:xfrm>
           <a:graphic>
@@ -5322,48 +5238,6 @@
         </p:sp>
         <p:sp>
           <p:nvSpPr>
-            <p:cNvPr id="26" name="TextBox 25">
-              <a:extLst>
-                <a:ext uri="{FF2B5EF4-FFF2-40B4-BE49-F238E27FC236}">
-                  <a16:creationId xmlns:a16="http://schemas.microsoft.com/office/drawing/2014/main" id="{D14782B8-CC8B-5884-9BD6-9364E736C9CD}"/>
-                </a:ext>
-              </a:extLst>
-            </p:cNvPr>
-            <p:cNvSpPr txBox="1">
-              <a:spLocks/>
-            </p:cNvSpPr>
-            <p:nvPr/>
-          </p:nvSpPr>
-          <p:spPr>
-            <a:xfrm rot="5400000">
-              <a:off x="4550808" y="4842320"/>
-              <a:ext cx="423514" cy="338554"/>
-            </a:xfrm>
-            <a:prstGeom prst="rect">
-              <a:avLst/>
-            </a:prstGeom>
-            <a:noFill/>
-          </p:spPr>
-          <p:txBody>
-            <a:bodyPr wrap="none" rtlCol="0">
-              <a:spAutoFit/>
-            </a:bodyPr>
-            <a:lstStyle/>
-            <a:p>
-              <a:r>
-                <a:rPr lang="en-AU" sz="1600" b="1" dirty="0">
-                  <a:latin typeface="Helvetica" pitchFamily="2" charset="0"/>
-                </a:rPr>
-                <a:t>F1</a:t>
-              </a:r>
-              <a:endParaRPr lang="en-US" sz="1600" b="1" dirty="0">
-                <a:latin typeface="Helvetica" pitchFamily="2" charset="0"/>
-              </a:endParaRPr>
-            </a:p>
-          </p:txBody>
-        </p:sp>
-        <p:sp>
-          <p:nvSpPr>
             <p:cNvPr id="27" name="TextBox 26">
               <a:extLst>
                 <a:ext uri="{FF2B5EF4-FFF2-40B4-BE49-F238E27FC236}">
@@ -5417,13 +5291,13 @@
             <p:nvPr>
               <p:extLst>
                 <p:ext uri="{D42A27DB-BD31-4B8C-83A1-F6EECF244321}">
-                  <p14:modId xmlns:p14="http://schemas.microsoft.com/office/powerpoint/2010/main" val="1596058130"/>
+                  <p14:modId xmlns:p14="http://schemas.microsoft.com/office/powerpoint/2010/main" val="2734840924"/>
                 </p:ext>
               </p:extLst>
             </p:nvPr>
           </p:nvGraphicFramePr>
           <p:xfrm>
-            <a:off x="2610888" y="4126262"/>
+            <a:off x="2741059" y="4186725"/>
             <a:ext cx="1948336" cy="1527841"/>
           </p:xfrm>
           <a:graphic>
@@ -6162,10 +6036,10 @@
         </p:nvGrpSpPr>
         <p:grpSpPr>
           <a:xfrm>
-            <a:off x="12367035" y="494906"/>
-            <a:ext cx="2957373" cy="3656869"/>
-            <a:chOff x="2610888" y="2604712"/>
-            <a:chExt cx="2957373" cy="3656869"/>
+            <a:off x="12136957" y="494906"/>
+            <a:ext cx="3167927" cy="3676215"/>
+            <a:chOff x="2380810" y="2604712"/>
+            <a:chExt cx="3167927" cy="3676215"/>
           </a:xfrm>
         </p:grpSpPr>
         <p:sp>
@@ -6226,9 +6100,9 @@
             <p:nvPr/>
           </p:nvSpPr>
           <p:spPr>
-            <a:xfrm rot="5400000">
-              <a:off x="5187227" y="4958163"/>
-              <a:ext cx="423514" cy="338554"/>
+            <a:xfrm rot="16200000">
+              <a:off x="2032426" y="5392093"/>
+              <a:ext cx="1035321" cy="338554"/>
             </a:xfrm>
             <a:prstGeom prst="rect">
               <a:avLst/>
@@ -6236,11 +6110,12 @@
             <a:noFill/>
           </p:spPr>
           <p:txBody>
-            <a:bodyPr wrap="none" rtlCol="0">
+            <a:bodyPr wrap="square" rtlCol="0">
               <a:spAutoFit/>
             </a:bodyPr>
             <a:lstStyle/>
             <a:p>
+              <a:pPr algn="ctr"/>
               <a:r>
                 <a:rPr lang="en-AU" sz="1600" b="1" dirty="0">
                   <a:latin typeface="Helvetica" pitchFamily="2" charset="0"/>
@@ -6308,13 +6183,13 @@
             <p:nvPr>
               <p:extLst>
                 <p:ext uri="{D42A27DB-BD31-4B8C-83A1-F6EECF244321}">
-                  <p14:modId xmlns:p14="http://schemas.microsoft.com/office/powerpoint/2010/main" val="4170775368"/>
+                  <p14:modId xmlns:p14="http://schemas.microsoft.com/office/powerpoint/2010/main" val="3121795641"/>
                 </p:ext>
               </p:extLst>
             </p:nvPr>
           </p:nvGraphicFramePr>
           <p:xfrm>
-            <a:off x="2610888" y="4126262"/>
+            <a:off x="2719363" y="4145608"/>
             <a:ext cx="2607001" cy="2135319"/>
           </p:xfrm>
           <a:graphic>
@@ -7460,6 +7335,135 @@
           </p:sp>
         </mc:Fallback>
       </mc:AlternateContent>
+      <p:sp>
+        <p:nvSpPr>
+          <p:cNvPr id="2" name="TextBox 1">
+            <a:extLst>
+              <a:ext uri="{FF2B5EF4-FFF2-40B4-BE49-F238E27FC236}">
+                <a16:creationId xmlns:a16="http://schemas.microsoft.com/office/drawing/2014/main" id="{06619CBB-057F-8132-427E-5251D4946E0F}"/>
+              </a:ext>
+            </a:extLst>
+          </p:cNvPr>
+          <p:cNvSpPr txBox="1">
+            <a:spLocks/>
+          </p:cNvSpPr>
+          <p:nvPr/>
+        </p:nvSpPr>
+        <p:spPr>
+          <a:xfrm rot="16200000">
+            <a:off x="7985855" y="2764625"/>
+            <a:ext cx="1035321" cy="338554"/>
+          </a:xfrm>
+          <a:prstGeom prst="rect">
+            <a:avLst/>
+          </a:prstGeom>
+          <a:noFill/>
+        </p:spPr>
+        <p:txBody>
+          <a:bodyPr wrap="square" rtlCol="0">
+            <a:spAutoFit/>
+          </a:bodyPr>
+          <a:lstStyle/>
+          <a:p>
+            <a:pPr algn="ctr"/>
+            <a:r>
+              <a:rPr lang="en-AU" sz="1600" b="1" dirty="0">
+                <a:latin typeface="Helvetica" pitchFamily="2" charset="0"/>
+              </a:rPr>
+              <a:t>F1</a:t>
+            </a:r>
+            <a:endParaRPr lang="en-US" sz="1600" b="1" dirty="0">
+              <a:latin typeface="Helvetica" pitchFamily="2" charset="0"/>
+            </a:endParaRPr>
+          </a:p>
+        </p:txBody>
+      </p:sp>
+      <p:sp>
+        <p:nvSpPr>
+          <p:cNvPr id="5" name="TextBox 4">
+            <a:extLst>
+              <a:ext uri="{FF2B5EF4-FFF2-40B4-BE49-F238E27FC236}">
+                <a16:creationId xmlns:a16="http://schemas.microsoft.com/office/drawing/2014/main" id="{28A3A31E-234E-9FAD-3ADD-078143B034FD}"/>
+              </a:ext>
+            </a:extLst>
+          </p:cNvPr>
+          <p:cNvSpPr txBox="1">
+            <a:spLocks/>
+          </p:cNvSpPr>
+          <p:nvPr/>
+        </p:nvSpPr>
+        <p:spPr>
+          <a:xfrm rot="16200000">
+            <a:off x="4238967" y="2764624"/>
+            <a:ext cx="1035321" cy="338554"/>
+          </a:xfrm>
+          <a:prstGeom prst="rect">
+            <a:avLst/>
+          </a:prstGeom>
+          <a:noFill/>
+        </p:spPr>
+        <p:txBody>
+          <a:bodyPr wrap="square" rtlCol="0">
+            <a:spAutoFit/>
+          </a:bodyPr>
+          <a:lstStyle/>
+          <a:p>
+            <a:pPr algn="ctr"/>
+            <a:r>
+              <a:rPr lang="en-AU" sz="1600" b="1" dirty="0">
+                <a:latin typeface="Helvetica" pitchFamily="2" charset="0"/>
+              </a:rPr>
+              <a:t>F1</a:t>
+            </a:r>
+            <a:endParaRPr lang="en-US" sz="1600" b="1" dirty="0">
+              <a:latin typeface="Helvetica" pitchFamily="2" charset="0"/>
+            </a:endParaRPr>
+          </a:p>
+        </p:txBody>
+      </p:sp>
+      <p:sp>
+        <p:nvSpPr>
+          <p:cNvPr id="7" name="TextBox 6">
+            <a:extLst>
+              <a:ext uri="{FF2B5EF4-FFF2-40B4-BE49-F238E27FC236}">
+                <a16:creationId xmlns:a16="http://schemas.microsoft.com/office/drawing/2014/main" id="{82C65DF5-9876-DB1C-9F16-D5F1D12FB875}"/>
+              </a:ext>
+            </a:extLst>
+          </p:cNvPr>
+          <p:cNvSpPr txBox="1">
+            <a:spLocks/>
+          </p:cNvSpPr>
+          <p:nvPr/>
+        </p:nvSpPr>
+        <p:spPr>
+          <a:xfrm rot="16200000">
+            <a:off x="533633" y="2764623"/>
+            <a:ext cx="1035321" cy="338554"/>
+          </a:xfrm>
+          <a:prstGeom prst="rect">
+            <a:avLst/>
+          </a:prstGeom>
+          <a:noFill/>
+        </p:spPr>
+        <p:txBody>
+          <a:bodyPr wrap="square" rtlCol="0">
+            <a:spAutoFit/>
+          </a:bodyPr>
+          <a:lstStyle/>
+          <a:p>
+            <a:pPr algn="ctr"/>
+            <a:r>
+              <a:rPr lang="en-AU" sz="1600" b="1" dirty="0">
+                <a:latin typeface="Helvetica" pitchFamily="2" charset="0"/>
+              </a:rPr>
+              <a:t>F1</a:t>
+            </a:r>
+            <a:endParaRPr lang="en-US" sz="1600" b="1" dirty="0">
+              <a:latin typeface="Helvetica" pitchFamily="2" charset="0"/>
+            </a:endParaRPr>
+          </a:p>
+        </p:txBody>
+      </p:sp>
     </p:spTree>
     <p:extLst>
       <p:ext uri="{BB962C8B-B14F-4D97-AF65-F5344CB8AC3E}">

--- a/plots/Fig5 tests.pptx
+++ b/plots/Fig5 tests.pptx
@@ -197,7 +197,7 @@
           <a:p>
             <a:fld id="{4F97FC17-05F1-5941-99BF-2CFB8DD61DE7}" type="datetimeFigureOut">
               <a:rPr lang="en-US" smtClean="0"/>
-              <a:t>4/12/24</a:t>
+              <a:t>6/26/24</a:t>
             </a:fld>
             <a:endParaRPr lang="en-US"/>
           </a:p>
@@ -685,7 +685,7 @@
           <a:p>
             <a:fld id="{CE5BC49A-E8DF-6544-B7B9-136C9E9A9884}" type="datetimeFigureOut">
               <a:rPr lang="en-US" smtClean="0"/>
-              <a:t>4/12/24</a:t>
+              <a:t>6/26/24</a:t>
             </a:fld>
             <a:endParaRPr lang="en-US"/>
           </a:p>
@@ -855,7 +855,7 @@
           <a:p>
             <a:fld id="{CE5BC49A-E8DF-6544-B7B9-136C9E9A9884}" type="datetimeFigureOut">
               <a:rPr lang="en-US" smtClean="0"/>
-              <a:t>4/12/24</a:t>
+              <a:t>6/26/24</a:t>
             </a:fld>
             <a:endParaRPr lang="en-US"/>
           </a:p>
@@ -1035,7 +1035,7 @@
           <a:p>
             <a:fld id="{CE5BC49A-E8DF-6544-B7B9-136C9E9A9884}" type="datetimeFigureOut">
               <a:rPr lang="en-US" smtClean="0"/>
-              <a:t>4/12/24</a:t>
+              <a:t>6/26/24</a:t>
             </a:fld>
             <a:endParaRPr lang="en-US"/>
           </a:p>
@@ -1205,7 +1205,7 @@
           <a:p>
             <a:fld id="{CE5BC49A-E8DF-6544-B7B9-136C9E9A9884}" type="datetimeFigureOut">
               <a:rPr lang="en-US" smtClean="0"/>
-              <a:t>4/12/24</a:t>
+              <a:t>6/26/24</a:t>
             </a:fld>
             <a:endParaRPr lang="en-US"/>
           </a:p>
@@ -1451,7 +1451,7 @@
           <a:p>
             <a:fld id="{CE5BC49A-E8DF-6544-B7B9-136C9E9A9884}" type="datetimeFigureOut">
               <a:rPr lang="en-US" smtClean="0"/>
-              <a:t>4/12/24</a:t>
+              <a:t>6/26/24</a:t>
             </a:fld>
             <a:endParaRPr lang="en-US"/>
           </a:p>
@@ -1683,7 +1683,7 @@
           <a:p>
             <a:fld id="{CE5BC49A-E8DF-6544-B7B9-136C9E9A9884}" type="datetimeFigureOut">
               <a:rPr lang="en-US" smtClean="0"/>
-              <a:t>4/12/24</a:t>
+              <a:t>6/26/24</a:t>
             </a:fld>
             <a:endParaRPr lang="en-US"/>
           </a:p>
@@ -2050,7 +2050,7 @@
           <a:p>
             <a:fld id="{CE5BC49A-E8DF-6544-B7B9-136C9E9A9884}" type="datetimeFigureOut">
               <a:rPr lang="en-US" smtClean="0"/>
-              <a:t>4/12/24</a:t>
+              <a:t>6/26/24</a:t>
             </a:fld>
             <a:endParaRPr lang="en-US"/>
           </a:p>
@@ -2168,7 +2168,7 @@
           <a:p>
             <a:fld id="{CE5BC49A-E8DF-6544-B7B9-136C9E9A9884}" type="datetimeFigureOut">
               <a:rPr lang="en-US" smtClean="0"/>
-              <a:t>4/12/24</a:t>
+              <a:t>6/26/24</a:t>
             </a:fld>
             <a:endParaRPr lang="en-US"/>
           </a:p>
@@ -2263,7 +2263,7 @@
           <a:p>
             <a:fld id="{CE5BC49A-E8DF-6544-B7B9-136C9E9A9884}" type="datetimeFigureOut">
               <a:rPr lang="en-US" smtClean="0"/>
-              <a:t>4/12/24</a:t>
+              <a:t>6/26/24</a:t>
             </a:fld>
             <a:endParaRPr lang="en-US"/>
           </a:p>
@@ -2540,7 +2540,7 @@
           <a:p>
             <a:fld id="{CE5BC49A-E8DF-6544-B7B9-136C9E9A9884}" type="datetimeFigureOut">
               <a:rPr lang="en-US" smtClean="0"/>
-              <a:t>4/12/24</a:t>
+              <a:t>6/26/24</a:t>
             </a:fld>
             <a:endParaRPr lang="en-US"/>
           </a:p>
@@ -2797,7 +2797,7 @@
           <a:p>
             <a:fld id="{CE5BC49A-E8DF-6544-B7B9-136C9E9A9884}" type="datetimeFigureOut">
               <a:rPr lang="en-US" smtClean="0"/>
-              <a:t>4/12/24</a:t>
+              <a:t>6/26/24</a:t>
             </a:fld>
             <a:endParaRPr lang="en-US"/>
           </a:p>
@@ -3010,7 +3010,7 @@
           <a:p>
             <a:fld id="{CE5BC49A-E8DF-6544-B7B9-136C9E9A9884}" type="datetimeFigureOut">
               <a:rPr lang="en-US" smtClean="0"/>
-              <a:t>4/12/24</a:t>
+              <a:t>6/26/24</a:t>
             </a:fld>
             <a:endParaRPr lang="en-US"/>
           </a:p>
@@ -4286,8 +4286,8 @@
           </p:nvSpPr>
           <p:spPr>
             <a:xfrm>
-              <a:off x="2674791" y="3442774"/>
-              <a:ext cx="2404633" cy="323165"/>
+              <a:off x="2738911" y="3442774"/>
+              <a:ext cx="2276392" cy="323165"/>
             </a:xfrm>
             <a:prstGeom prst="rect">
               <a:avLst/>
@@ -4305,7 +4305,7 @@
                 <a:rPr lang="en-US" sz="1500" b="1" dirty="0">
                   <a:latin typeface="Helvetica" pitchFamily="2" charset="0"/>
                 </a:rPr>
-                <a:t>F1 = True XOR F2 = True</a:t>
+                <a:t>F1 = True OR F2 = True</a:t>
               </a:r>
             </a:p>
           </p:txBody>
